--- a/USPSA/Inside Out.pptx
+++ b/USPSA/Inside Out.pptx
@@ -166,30 +166,6 @@
 
 <file path=ppt/changesInfos/changesInfo1.xml><?xml version="1.0" encoding="utf-8"?>
 <pc:chgInfo xmlns:a="http://schemas.openxmlformats.org/drawingml/2006/main" xmlns:r="http://schemas.openxmlformats.org/officeDocument/2006/relationships" xmlns:ac="http://schemas.microsoft.com/office/drawing/2013/main/command" xmlns:pc="http://schemas.microsoft.com/office/powerpoint/2013/main/command">
-  <pc:docChgLst>
-    <pc:chgData name="Matt Carlson" userId="0e792f37f00095d9" providerId="LiveId" clId="{04F37EE8-5036-4D57-B839-F03BDEE081F9}"/>
-    <pc:docChg chg="modSld">
-      <pc:chgData name="Matt Carlson" userId="0e792f37f00095d9" providerId="LiveId" clId="{04F37EE8-5036-4D57-B839-F03BDEE081F9}" dt="2020-07-25T07:10:54.345" v="39" actId="20577"/>
-      <pc:docMkLst>
-        <pc:docMk/>
-      </pc:docMkLst>
-      <pc:sldChg chg="modSp mod">
-        <pc:chgData name="Matt Carlson" userId="0e792f37f00095d9" providerId="LiveId" clId="{04F37EE8-5036-4D57-B839-F03BDEE081F9}" dt="2020-07-25T07:10:54.345" v="39" actId="20577"/>
-        <pc:sldMkLst>
-          <pc:docMk/>
-          <pc:sldMk cId="0" sldId="274"/>
-        </pc:sldMkLst>
-        <pc:graphicFrameChg chg="mod modGraphic">
-          <ac:chgData name="Matt Carlson" userId="0e792f37f00095d9" providerId="LiveId" clId="{04F37EE8-5036-4D57-B839-F03BDEE081F9}" dt="2020-07-25T07:10:54.345" v="39" actId="20577"/>
-          <ac:graphicFrameMkLst>
-            <pc:docMk/>
-            <pc:sldMk cId="0" sldId="274"/>
-            <ac:graphicFrameMk id="110" creationId="{00000000-0000-0000-0000-000000000000}"/>
-          </ac:graphicFrameMkLst>
-        </pc:graphicFrameChg>
-      </pc:sldChg>
-    </pc:docChg>
-  </pc:docChgLst>
   <pc:docChgLst>
     <pc:chgData name="Matt Carlson" userId="0e792f37f00095d9" providerId="LiveId" clId="{641414FC-D691-4E27-9230-82289104FC1B}"/>
     <pc:docChg chg="modSld">
@@ -1310,6 +1286,30 @@
       </pc:sldChg>
     </pc:docChg>
   </pc:docChgLst>
+  <pc:docChgLst>
+    <pc:chgData name="Matt Carlson" userId="0e792f37f00095d9" providerId="LiveId" clId="{04F37EE8-5036-4D57-B839-F03BDEE081F9}"/>
+    <pc:docChg chg="modSld">
+      <pc:chgData name="Matt Carlson" userId="0e792f37f00095d9" providerId="LiveId" clId="{04F37EE8-5036-4D57-B839-F03BDEE081F9}" dt="2020-07-25T07:10:54.345" v="39" actId="20577"/>
+      <pc:docMkLst>
+        <pc:docMk/>
+      </pc:docMkLst>
+      <pc:sldChg chg="modSp mod">
+        <pc:chgData name="Matt Carlson" userId="0e792f37f00095d9" providerId="LiveId" clId="{04F37EE8-5036-4D57-B839-F03BDEE081F9}" dt="2020-07-25T07:10:54.345" v="39" actId="20577"/>
+        <pc:sldMkLst>
+          <pc:docMk/>
+          <pc:sldMk cId="0" sldId="274"/>
+        </pc:sldMkLst>
+        <pc:graphicFrameChg chg="mod modGraphic">
+          <ac:chgData name="Matt Carlson" userId="0e792f37f00095d9" providerId="LiveId" clId="{04F37EE8-5036-4D57-B839-F03BDEE081F9}" dt="2020-07-25T07:10:54.345" v="39" actId="20577"/>
+          <ac:graphicFrameMkLst>
+            <pc:docMk/>
+            <pc:sldMk cId="0" sldId="274"/>
+            <ac:graphicFrameMk id="110" creationId="{00000000-0000-0000-0000-000000000000}"/>
+          </ac:graphicFrameMkLst>
+        </pc:graphicFrameChg>
+      </pc:sldChg>
+    </pc:docChg>
+  </pc:docChgLst>
 </pc:chgInfo>
 </file>
 
@@ -1415,7 +1415,7 @@
               <a:pPr>
                 <a:defRPr/>
               </a:pPr>
-              <a:t>8/22/2020</a:t>
+              <a:t>22.08.2020</a:t>
             </a:fld>
             <a:endParaRPr lang="en-US"/>
           </a:p>
@@ -5389,7 +5389,7 @@
           <p:nvPr>
             <p:extLst>
               <p:ext uri="{D42A27DB-BD31-4B8C-83A1-F6EECF244321}">
-                <p14:modId xmlns:p14="http://schemas.microsoft.com/office/powerpoint/2010/main" val="3048717371"/>
+                <p14:modId xmlns:p14="http://schemas.microsoft.com/office/powerpoint/2010/main" val="1761691991"/>
               </p:ext>
             </p:extLst>
           </p:nvPr>
@@ -6163,7 +6163,63 @@
                           <a:latin typeface="Arial" charset="0"/>
                           <a:cs typeface="Times New Roman" charset="0"/>
                         </a:rPr>
-                        <a:t>Comstock, 32 rounds, 160 points</a:t>
+                        <a:t>Comstock</a:t>
+                      </a:r>
+                      <a:r>
+                        <a:rPr kumimoji="0" lang="en-US" sz="1100" b="0" i="0" u="none" strike="noStrike" cap="none" normalizeH="0" baseline="0">
+                          <a:ln>
+                            <a:noFill/>
+                          </a:ln>
+                          <a:solidFill>
+                            <a:schemeClr val="tx1"/>
+                          </a:solidFill>
+                          <a:effectLst/>
+                          <a:latin typeface="Arial" charset="0"/>
+                          <a:cs typeface="Times New Roman" charset="0"/>
+                        </a:rPr>
+                        <a:t>, 34 </a:t>
+                      </a:r>
+                      <a:r>
+                        <a:rPr kumimoji="0" lang="en-US" sz="1100" b="0" i="0" u="none" strike="noStrike" cap="none" normalizeH="0" baseline="0" dirty="0">
+                          <a:ln>
+                            <a:noFill/>
+                          </a:ln>
+                          <a:solidFill>
+                            <a:schemeClr val="tx1"/>
+                          </a:solidFill>
+                          <a:effectLst/>
+                          <a:latin typeface="Arial" charset="0"/>
+                          <a:cs typeface="Times New Roman" charset="0"/>
+                        </a:rPr>
+                        <a:t>rounds</a:t>
+                      </a:r>
+                      <a:r>
+                        <a:rPr kumimoji="0" lang="en-US" sz="1100" b="0" i="0" u="none" strike="noStrike" cap="none" normalizeH="0" baseline="0">
+                          <a:ln>
+                            <a:noFill/>
+                          </a:ln>
+                          <a:solidFill>
+                            <a:schemeClr val="tx1"/>
+                          </a:solidFill>
+                          <a:effectLst/>
+                          <a:latin typeface="Arial" charset="0"/>
+                          <a:cs typeface="Times New Roman" charset="0"/>
+                        </a:rPr>
+                        <a:t>, 170 </a:t>
+                      </a:r>
+                      <a:r>
+                        <a:rPr kumimoji="0" lang="en-US" sz="1100" b="0" i="0" u="none" strike="noStrike" cap="none" normalizeH="0" baseline="0" dirty="0">
+                          <a:ln>
+                            <a:noFill/>
+                          </a:ln>
+                          <a:solidFill>
+                            <a:schemeClr val="tx1"/>
+                          </a:solidFill>
+                          <a:effectLst/>
+                          <a:latin typeface="Arial" charset="0"/>
+                          <a:cs typeface="Times New Roman" charset="0"/>
+                        </a:rPr>
+                        <a:t>points</a:t>
                       </a:r>
                     </a:p>
                     <a:p>
@@ -6209,7 +6265,7 @@
                           <a:latin typeface="Arial" charset="0"/>
                           <a:cs typeface="Times New Roman" charset="0"/>
                         </a:rPr>
-                        <a:t>	   16 metric</a:t>
+                        <a:t>	   17 metric</a:t>
                       </a:r>
                     </a:p>
                     <a:p>
